--- a/ppt.pptx
+++ b/ppt.pptx
@@ -3631,6 +3631,10 @@
           <a:bodyPr/>
           <a:lstStyle/>
           <a:p>
+            <a:r>
+              <a:rPr lang="en-US" altLang="zh-CN"/>
+              <a:t>Second</a:t>
+            </a:r>
             <a:endParaRPr lang="zh-CN" altLang="en-US"/>
           </a:p>
         </p:txBody>
